--- a/file/中期/开题答辩张润.pptx
+++ b/file/中期/开题答辩张润.pptx
@@ -159,7 +159,7 @@
 <file path=ppt/revisionInfo.xml><?xml version="1.0" encoding="utf-8"?>
 <p1510:revInfo xmlns:a="http://schemas.openxmlformats.org/drawingml/2006/main" xmlns:r="http://schemas.openxmlformats.org/officeDocument/2006/relationships" xmlns:p1510="http://schemas.microsoft.com/office/powerpoint/2015/10/main">
   <p1510:revLst>
-    <p1510:client id="{DD659CFC-1694-47D9-BB38-690E786E8FB0}" v="298" dt="2022-04-27T12:06:36.757"/>
+    <p1510:client id="{DD659CFC-1694-47D9-BB38-690E786E8FB0}" v="759" dt="2022-04-28T10:49:32.396"/>
   </p1510:revLst>
 </p1510:revInfo>
 </file>
@@ -168,13 +168,28 @@
 <pc:chgInfo xmlns:a="http://schemas.openxmlformats.org/drawingml/2006/main" xmlns:r="http://schemas.openxmlformats.org/officeDocument/2006/relationships" xmlns:ac="http://schemas.microsoft.com/office/drawing/2013/main/command" xmlns:pc="http://schemas.microsoft.com/office/powerpoint/2013/main/command">
   <pc:docChgLst>
     <pc:chgData name="zhang run" userId="efe019ff5e07765e" providerId="LiveId" clId="{DD659CFC-1694-47D9-BB38-690E786E8FB0}"/>
-    <pc:docChg chg="custSel addSld delSld modSld">
-      <pc:chgData name="zhang run" userId="efe019ff5e07765e" providerId="LiveId" clId="{DD659CFC-1694-47D9-BB38-690E786E8FB0}" dt="2022-04-27T12:07:20.333" v="717" actId="2710"/>
+    <pc:docChg chg="custSel addSld delSld modSld modShowInfo">
+      <pc:chgData name="zhang run" userId="efe019ff5e07765e" providerId="LiveId" clId="{DD659CFC-1694-47D9-BB38-690E786E8FB0}" dt="2022-04-28T10:49:36.486" v="1409" actId="20577"/>
       <pc:docMkLst>
         <pc:docMk/>
       </pc:docMkLst>
-      <pc:sldChg chg="modSp">
-        <pc:chgData name="zhang run" userId="efe019ff5e07765e" providerId="LiveId" clId="{DD659CFC-1694-47D9-BB38-690E786E8FB0}" dt="2022-04-27T11:16:52.298" v="107"/>
+      <pc:sldChg chg="addSp modSp modTransition modAnim modNotesTx">
+        <pc:chgData name="zhang run" userId="efe019ff5e07765e" providerId="LiveId" clId="{DD659CFC-1694-47D9-BB38-690E786E8FB0}" dt="2022-04-28T09:58:53.745" v="752" actId="20577"/>
+        <pc:sldMkLst>
+          <pc:docMk/>
+          <pc:sldMk cId="190831371" sldId="306"/>
+        </pc:sldMkLst>
+        <pc:picChg chg="add mod">
+          <ac:chgData name="zhang run" userId="efe019ff5e07765e" providerId="LiveId" clId="{DD659CFC-1694-47D9-BB38-690E786E8FB0}" dt="2022-04-28T08:54:34.415" v="721"/>
+          <ac:picMkLst>
+            <pc:docMk/>
+            <pc:sldMk cId="190831371" sldId="306"/>
+            <ac:picMk id="6" creationId="{C5E6933C-A96C-4CDC-90B1-21D98C1CF574}"/>
+          </ac:picMkLst>
+        </pc:picChg>
+      </pc:sldChg>
+      <pc:sldChg chg="addSp modSp modTransition modAnim">
+        <pc:chgData name="zhang run" userId="efe019ff5e07765e" providerId="LiveId" clId="{DD659CFC-1694-47D9-BB38-690E786E8FB0}" dt="2022-04-28T08:54:38.946" v="723"/>
         <pc:sldMkLst>
           <pc:docMk/>
           <pc:sldMk cId="3989798349" sldId="310"/>
@@ -187,6 +202,14 @@
             <ac:spMk id="4" creationId="{00000000-0000-0000-0000-000000000000}"/>
           </ac:spMkLst>
         </pc:spChg>
+        <pc:picChg chg="add mod">
+          <ac:chgData name="zhang run" userId="efe019ff5e07765e" providerId="LiveId" clId="{DD659CFC-1694-47D9-BB38-690E786E8FB0}" dt="2022-04-28T08:54:34.415" v="721"/>
+          <ac:picMkLst>
+            <pc:docMk/>
+            <pc:sldMk cId="3989798349" sldId="310"/>
+            <ac:picMk id="5" creationId="{BBF21E19-396F-4BC8-BAE1-24974FED81E2}"/>
+          </ac:picMkLst>
+        </pc:picChg>
       </pc:sldChg>
       <pc:sldChg chg="del">
         <pc:chgData name="zhang run" userId="efe019ff5e07765e" providerId="LiveId" clId="{DD659CFC-1694-47D9-BB38-690E786E8FB0}" dt="2022-04-27T11:16:58.545" v="109" actId="47"/>
@@ -221,6 +244,13 @@
         <pc:sldMkLst>
           <pc:docMk/>
           <pc:sldMk cId="3665726148" sldId="321"/>
+        </pc:sldMkLst>
+      </pc:sldChg>
+      <pc:sldChg chg="modTransition modNotesTx">
+        <pc:chgData name="zhang run" userId="efe019ff5e07765e" providerId="LiveId" clId="{DD659CFC-1694-47D9-BB38-690E786E8FB0}" dt="2022-04-28T10:37:50.513" v="1248" actId="20577"/>
+        <pc:sldMkLst>
+          <pc:docMk/>
+          <pc:sldMk cId="2618248312" sldId="327"/>
         </pc:sldMkLst>
       </pc:sldChg>
       <pc:sldChg chg="del">
@@ -286,8 +316,8 @@
           <pc:sldMk cId="3175867058" sldId="336"/>
         </pc:sldMkLst>
       </pc:sldChg>
-      <pc:sldChg chg="modSp add mod setBg">
-        <pc:chgData name="zhang run" userId="efe019ff5e07765e" providerId="LiveId" clId="{DD659CFC-1694-47D9-BB38-690E786E8FB0}" dt="2022-04-27T12:06:36.756" v="712" actId="2710"/>
+      <pc:sldChg chg="addSp modSp add mod modTransition setBg modAnim modNotesTx">
+        <pc:chgData name="zhang run" userId="efe019ff5e07765e" providerId="LiveId" clId="{DD659CFC-1694-47D9-BB38-690E786E8FB0}" dt="2022-04-28T10:00:22.394" v="818" actId="20577"/>
         <pc:sldMkLst>
           <pc:docMk/>
           <pc:sldMk cId="2133803845" sldId="337"/>
@@ -308,6 +338,14 @@
             <ac:spMk id="53" creationId="{975F5A0C-FC1B-4F89-A37B-DC5F27611018}"/>
           </ac:spMkLst>
         </pc:spChg>
+        <pc:picChg chg="add mod">
+          <ac:chgData name="zhang run" userId="efe019ff5e07765e" providerId="LiveId" clId="{DD659CFC-1694-47D9-BB38-690E786E8FB0}" dt="2022-04-28T08:54:34.415" v="721"/>
+          <ac:picMkLst>
+            <pc:docMk/>
+            <pc:sldMk cId="2133803845" sldId="337"/>
+            <ac:picMk id="11" creationId="{4126CA84-A700-4E06-B41A-429ACEB02BD5}"/>
+          </ac:picMkLst>
+        </pc:picChg>
       </pc:sldChg>
       <pc:sldChg chg="add del">
         <pc:chgData name="zhang run" userId="efe019ff5e07765e" providerId="LiveId" clId="{DD659CFC-1694-47D9-BB38-690E786E8FB0}" dt="2022-04-27T11:16:56.220" v="108" actId="47"/>
@@ -316,8 +354,8 @@
           <pc:sldMk cId="403759680" sldId="338"/>
         </pc:sldMkLst>
       </pc:sldChg>
-      <pc:sldChg chg="addSp delSp modSp add mod delAnim">
-        <pc:chgData name="zhang run" userId="efe019ff5e07765e" providerId="LiveId" clId="{DD659CFC-1694-47D9-BB38-690E786E8FB0}" dt="2022-04-27T11:19:00.445" v="132" actId="1076"/>
+      <pc:sldChg chg="addSp delSp modSp add mod modTransition delAnim modNotesTx">
+        <pc:chgData name="zhang run" userId="efe019ff5e07765e" providerId="LiveId" clId="{DD659CFC-1694-47D9-BB38-690E786E8FB0}" dt="2022-04-28T10:42:25.779" v="1252" actId="20577"/>
         <pc:sldMkLst>
           <pc:docMk/>
           <pc:sldMk cId="435507840" sldId="338"/>
@@ -363,8 +401,8 @@
           </ac:picMkLst>
         </pc:picChg>
       </pc:sldChg>
-      <pc:sldChg chg="addSp delSp modSp add mod modAnim">
-        <pc:chgData name="zhang run" userId="efe019ff5e07765e" providerId="LiveId" clId="{DD659CFC-1694-47D9-BB38-690E786E8FB0}" dt="2022-04-27T11:28:12.404" v="218" actId="1076"/>
+      <pc:sldChg chg="addSp delSp modSp add mod modTransition modAnim modNotesTx">
+        <pc:chgData name="zhang run" userId="efe019ff5e07765e" providerId="LiveId" clId="{DD659CFC-1694-47D9-BB38-690E786E8FB0}" dt="2022-04-28T10:08:27.565" v="899" actId="20577"/>
         <pc:sldMkLst>
           <pc:docMk/>
           <pc:sldMk cId="2834627686" sldId="339"/>
@@ -386,8 +424,8 @@
           </ac:picMkLst>
         </pc:picChg>
       </pc:sldChg>
-      <pc:sldChg chg="addSp delSp modSp add mod delAnim modAnim">
-        <pc:chgData name="zhang run" userId="efe019ff5e07765e" providerId="LiveId" clId="{DD659CFC-1694-47D9-BB38-690E786E8FB0}" dt="2022-04-27T12:06:25.664" v="709" actId="1076"/>
+      <pc:sldChg chg="addSp delSp modSp add mod modTransition delAnim modAnim modNotesTx">
+        <pc:chgData name="zhang run" userId="efe019ff5e07765e" providerId="LiveId" clId="{DD659CFC-1694-47D9-BB38-690E786E8FB0}" dt="2022-04-28T10:44:00.701" v="1275" actId="20577"/>
         <pc:sldMkLst>
           <pc:docMk/>
           <pc:sldMk cId="4246786205" sldId="340"/>
@@ -488,8 +526,8 @@
           </ac:picMkLst>
         </pc:picChg>
       </pc:sldChg>
-      <pc:sldChg chg="addSp delSp modSp add mod delAnim modNotesTx">
-        <pc:chgData name="zhang run" userId="efe019ff5e07765e" providerId="LiveId" clId="{DD659CFC-1694-47D9-BB38-690E786E8FB0}" dt="2022-04-27T12:06:12.276" v="705" actId="2710"/>
+      <pc:sldChg chg="addSp delSp modSp add mod modTransition delAnim modNotesTx">
+        <pc:chgData name="zhang run" userId="efe019ff5e07765e" providerId="LiveId" clId="{DD659CFC-1694-47D9-BB38-690E786E8FB0}" dt="2022-04-28T10:45:06.075" v="1295" actId="20577"/>
         <pc:sldMkLst>
           <pc:docMk/>
           <pc:sldMk cId="629379989" sldId="342"/>
@@ -535,7 +573,7 @@
           </ac:spMkLst>
         </pc:spChg>
         <pc:spChg chg="add mod">
-          <ac:chgData name="zhang run" userId="efe019ff5e07765e" providerId="LiveId" clId="{DD659CFC-1694-47D9-BB38-690E786E8FB0}" dt="2022-04-27T11:47:20.324" v="409" actId="1076"/>
+          <ac:chgData name="zhang run" userId="efe019ff5e07765e" providerId="LiveId" clId="{DD659CFC-1694-47D9-BB38-690E786E8FB0}" dt="2022-04-28T10:12:01.884" v="966" actId="1076"/>
           <ac:spMkLst>
             <pc:docMk/>
             <pc:sldMk cId="629379989" sldId="342"/>
@@ -575,8 +613,8 @@
           </ac:picMkLst>
         </pc:picChg>
       </pc:sldChg>
-      <pc:sldChg chg="addSp delSp modSp add mod">
-        <pc:chgData name="zhang run" userId="efe019ff5e07765e" providerId="LiveId" clId="{DD659CFC-1694-47D9-BB38-690E786E8FB0}" dt="2022-04-27T12:06:49.037" v="713" actId="2710"/>
+      <pc:sldChg chg="addSp delSp modSp add mod modTransition modNotesTx">
+        <pc:chgData name="zhang run" userId="efe019ff5e07765e" providerId="LiveId" clId="{DD659CFC-1694-47D9-BB38-690E786E8FB0}" dt="2022-04-28T10:45:34.403" v="1303" actId="20577"/>
         <pc:sldMkLst>
           <pc:docMk/>
           <pc:sldMk cId="4151270665" sldId="343"/>
@@ -630,8 +668,8 @@
           </ac:picMkLst>
         </pc:picChg>
       </pc:sldChg>
-      <pc:sldChg chg="addSp delSp modSp add mod">
-        <pc:chgData name="zhang run" userId="efe019ff5e07765e" providerId="LiveId" clId="{DD659CFC-1694-47D9-BB38-690E786E8FB0}" dt="2022-04-27T12:06:53.558" v="714" actId="2710"/>
+      <pc:sldChg chg="addSp delSp modSp add mod modTransition modNotesTx">
+        <pc:chgData name="zhang run" userId="efe019ff5e07765e" providerId="LiveId" clId="{DD659CFC-1694-47D9-BB38-690E786E8FB0}" dt="2022-04-28T10:46:09.916" v="1311" actId="20577"/>
         <pc:sldMkLst>
           <pc:docMk/>
           <pc:sldMk cId="1808133246" sldId="344"/>
@@ -709,8 +747,8 @@
           </ac:picMkLst>
         </pc:picChg>
       </pc:sldChg>
-      <pc:sldChg chg="addSp delSp modSp add mod">
-        <pc:chgData name="zhang run" userId="efe019ff5e07765e" providerId="LiveId" clId="{DD659CFC-1694-47D9-BB38-690E786E8FB0}" dt="2022-04-27T11:59:48.226" v="605" actId="1076"/>
+      <pc:sldChg chg="addSp delSp modSp add mod modTransition modNotesTx">
+        <pc:chgData name="zhang run" userId="efe019ff5e07765e" providerId="LiveId" clId="{DD659CFC-1694-47D9-BB38-690E786E8FB0}" dt="2022-04-28T10:46:33.780" v="1316" actId="20577"/>
         <pc:sldMkLst>
           <pc:docMk/>
           <pc:sldMk cId="678592437" sldId="345"/>
@@ -812,8 +850,8 @@
           </ac:picMkLst>
         </pc:picChg>
       </pc:sldChg>
-      <pc:sldChg chg="addSp delSp modSp add mod">
-        <pc:chgData name="zhang run" userId="efe019ff5e07765e" providerId="LiveId" clId="{DD659CFC-1694-47D9-BB38-690E786E8FB0}" dt="2022-04-27T12:07:15.696" v="716" actId="1076"/>
+      <pc:sldChg chg="addSp delSp modSp add mod modTransition modNotesTx">
+        <pc:chgData name="zhang run" userId="efe019ff5e07765e" providerId="LiveId" clId="{DD659CFC-1694-47D9-BB38-690E786E8FB0}" dt="2022-04-28T10:49:36.486" v="1409" actId="20577"/>
         <pc:sldMkLst>
           <pc:docMk/>
           <pc:sldMk cId="1554438043" sldId="346"/>
@@ -891,8 +929,8 @@
           </ac:picMkLst>
         </pc:picChg>
       </pc:sldChg>
-      <pc:sldChg chg="addSp delSp modSp add mod">
-        <pc:chgData name="zhang run" userId="efe019ff5e07765e" providerId="LiveId" clId="{DD659CFC-1694-47D9-BB38-690E786E8FB0}" dt="2022-04-27T12:04:29.730" v="657" actId="1076"/>
+      <pc:sldChg chg="addSp delSp modSp add mod modTransition modNotesTx">
+        <pc:chgData name="zhang run" userId="efe019ff5e07765e" providerId="LiveId" clId="{DD659CFC-1694-47D9-BB38-690E786E8FB0}" dt="2022-04-28T10:28:00.369" v="1188" actId="20577"/>
         <pc:sldMkLst>
           <pc:docMk/>
           <pc:sldMk cId="2231164162" sldId="347"/>
@@ -962,8 +1000,8 @@
           </ac:picMkLst>
         </pc:picChg>
       </pc:sldChg>
-      <pc:sldChg chg="addSp delSp modSp add mod">
-        <pc:chgData name="zhang run" userId="efe019ff5e07765e" providerId="LiveId" clId="{DD659CFC-1694-47D9-BB38-690E786E8FB0}" dt="2022-04-27T12:07:20.333" v="717" actId="2710"/>
+      <pc:sldChg chg="addSp delSp modSp add mod modTransition modNotesTx">
+        <pc:chgData name="zhang run" userId="efe019ff5e07765e" providerId="LiveId" clId="{DD659CFC-1694-47D9-BB38-690E786E8FB0}" dt="2022-04-28T10:37:41.897" v="1246"/>
         <pc:sldMkLst>
           <pc:docMk/>
           <pc:sldMk cId="2186842851" sldId="348"/>
@@ -1112,7 +1150,7 @@
           <a:p>
             <a:fld id="{C92CDB1E-9234-4DE3-B1B0-A3145D9229B4}" type="datetimeFigureOut">
               <a:rPr lang="zh-CN" altLang="en-US" smtClean="0"/>
-              <a:t>2022/4/27</a:t>
+              <a:t>2022/4/28</a:t>
             </a:fld>
             <a:endParaRPr lang="zh-CN" altLang="en-US"/>
           </a:p>
@@ -1423,7 +1461,10 @@
           <a:bodyPr/>
           <a:lstStyle/>
           <a:p>
-            <a:endParaRPr lang="zh-CN" altLang="en-US"/>
+            <a:r>
+              <a:rPr lang="zh-CN" altLang="en-US" dirty="0"/>
+              <a:t>各位评委老师好，我的答辩题目是基于毫米波雷达的井下围岩变形探测装置。</a:t>
+            </a:r>
           </a:p>
         </p:txBody>
       </p:sp>
@@ -1507,7 +1548,34 @@
           <a:bodyPr/>
           <a:lstStyle/>
           <a:p>
-            <a:endParaRPr lang="zh-CN" altLang="en-US"/>
+            <a:r>
+              <a:rPr lang="zh-CN" altLang="en-US" dirty="0"/>
+              <a:t>接下来是算法在</a:t>
+            </a:r>
+            <a:r>
+              <a:rPr lang="en-US" altLang="zh-CN" dirty="0"/>
+              <a:t>ARM M7</a:t>
+            </a:r>
+            <a:r>
+              <a:rPr lang="zh-CN" altLang="en-US" dirty="0"/>
+              <a:t>平台上的实现。综合以上高精度算法的理论分析，最终确定了算法流程如图左所示，先对采样序列进行小部分的时域补零和小点数</a:t>
+            </a:r>
+            <a:r>
+              <a:rPr lang="en-US" altLang="zh-CN" dirty="0"/>
+              <a:t>FFT</a:t>
+            </a:r>
+            <a:r>
+              <a:rPr lang="zh-CN" altLang="en-US" dirty="0"/>
+              <a:t>，确定窄带所处的频带区间，再使用</a:t>
+            </a:r>
+            <a:r>
+              <a:rPr lang="en-US" altLang="zh-CN" dirty="0"/>
+              <a:t>CZT</a:t>
+            </a:r>
+            <a:r>
+              <a:rPr lang="zh-CN" altLang="en-US" dirty="0"/>
+              <a:t>变换确定一个频率法测频的结果，同时，对原始序列分成两部分进行相位差法修正刚才测频法测得频率，最后用相位法修正频率，最终得到一个高精度测距距离。右面分别是测试场景和硬件平台实物。</a:t>
+            </a:r>
           </a:p>
         </p:txBody>
       </p:sp>
@@ -1591,7 +1659,267 @@
           <a:bodyPr/>
           <a:lstStyle/>
           <a:p>
-            <a:endParaRPr lang="zh-CN" altLang="en-US"/>
+            <a:pPr indent="304800" algn="just">
+              <a:lnSpc>
+                <a:spcPct val="150000"/>
+              </a:lnSpc>
+            </a:pPr>
+            <a:r>
+              <a:rPr lang="zh-CN" altLang="en-US" sz="1200" kern="100" dirty="0">
+                <a:effectLst/>
+                <a:latin typeface="Times New Roman" panose="02020603050405020304" pitchFamily="18" charset="0"/>
+                <a:ea typeface="宋体" panose="02010600030101010101" pitchFamily="2" charset="-122"/>
+                <a:cs typeface="Times New Roman" panose="02020603050405020304" pitchFamily="18" charset="0"/>
+              </a:rPr>
+              <a:t>实际测试的数据在</a:t>
+            </a:r>
+            <a:r>
+              <a:rPr lang="zh-CN" altLang="zh-CN" sz="1200" kern="100" dirty="0">
+                <a:effectLst/>
+                <a:latin typeface="Times New Roman" panose="02020603050405020304" pitchFamily="18" charset="0"/>
+                <a:ea typeface="宋体" panose="02010600030101010101" pitchFamily="2" charset="-122"/>
+                <a:cs typeface="Times New Roman" panose="02020603050405020304" pitchFamily="18" charset="0"/>
+              </a:rPr>
+              <a:t>表中列出</a:t>
+            </a:r>
+            <a:r>
+              <a:rPr lang="zh-CN" altLang="en-US" sz="1200" kern="100" dirty="0">
+                <a:effectLst/>
+                <a:latin typeface="Times New Roman" panose="02020603050405020304" pitchFamily="18" charset="0"/>
+                <a:ea typeface="宋体" panose="02010600030101010101" pitchFamily="2" charset="-122"/>
+                <a:cs typeface="Times New Roman" panose="02020603050405020304" pitchFamily="18" charset="0"/>
+              </a:rPr>
+              <a:t>，</a:t>
+            </a:r>
+            <a:r>
+              <a:rPr lang="zh-CN" altLang="zh-CN" sz="1200" kern="100" dirty="0">
+                <a:effectLst/>
+                <a:latin typeface="Times New Roman" panose="02020603050405020304" pitchFamily="18" charset="0"/>
+                <a:ea typeface="宋体" panose="02010600030101010101" pitchFamily="2" charset="-122"/>
+                <a:cs typeface="Times New Roman" panose="02020603050405020304" pitchFamily="18" charset="0"/>
+              </a:rPr>
+              <a:t>其中接收数据的时间比较久，达到了</a:t>
+            </a:r>
+            <a:r>
+              <a:rPr lang="en-US" altLang="zh-CN" sz="1200" kern="100" dirty="0">
+                <a:effectLst/>
+                <a:latin typeface="Times New Roman" panose="02020603050405020304" pitchFamily="18" charset="0"/>
+                <a:ea typeface="宋体" panose="02010600030101010101" pitchFamily="2" charset="-122"/>
+              </a:rPr>
+              <a:t>3ms</a:t>
+            </a:r>
+            <a:r>
+              <a:rPr lang="zh-CN" altLang="zh-CN" sz="1200" kern="100" dirty="0">
+                <a:effectLst/>
+                <a:latin typeface="Times New Roman" panose="02020603050405020304" pitchFamily="18" charset="0"/>
+                <a:ea typeface="宋体" panose="02010600030101010101" pitchFamily="2" charset="-122"/>
+                <a:cs typeface="Times New Roman" panose="02020603050405020304" pitchFamily="18" charset="0"/>
+              </a:rPr>
+              <a:t>左右，由于</a:t>
+            </a:r>
+            <a:r>
+              <a:rPr lang="en-US" altLang="zh-CN" sz="1200" kern="100" dirty="0">
+                <a:effectLst/>
+                <a:latin typeface="Times New Roman" panose="02020603050405020304" pitchFamily="18" charset="0"/>
+                <a:ea typeface="宋体" panose="02010600030101010101" pitchFamily="2" charset="-122"/>
+                <a:cs typeface="Times New Roman" panose="02020603050405020304" pitchFamily="18" charset="0"/>
+              </a:rPr>
+              <a:t>ARM</a:t>
+            </a:r>
+            <a:r>
+              <a:rPr lang="zh-CN" altLang="zh-CN" sz="1200" kern="100" dirty="0">
+                <a:effectLst/>
+                <a:latin typeface="Times New Roman" panose="02020603050405020304" pitchFamily="18" charset="0"/>
+                <a:ea typeface="宋体" panose="02010600030101010101" pitchFamily="2" charset="-122"/>
+                <a:cs typeface="Times New Roman" panose="02020603050405020304" pitchFamily="18" charset="0"/>
+              </a:rPr>
+              <a:t>内部有硬件</a:t>
+            </a:r>
+            <a:r>
+              <a:rPr lang="en-US" altLang="zh-CN" sz="1200" kern="100" dirty="0">
+                <a:effectLst/>
+                <a:latin typeface="Times New Roman" panose="02020603050405020304" pitchFamily="18" charset="0"/>
+                <a:ea typeface="宋体" panose="02010600030101010101" pitchFamily="2" charset="-122"/>
+              </a:rPr>
+              <a:t>DSP</a:t>
+            </a:r>
+            <a:r>
+              <a:rPr lang="zh-CN" altLang="zh-CN" sz="1200" kern="100" dirty="0">
+                <a:effectLst/>
+                <a:latin typeface="Times New Roman" panose="02020603050405020304" pitchFamily="18" charset="0"/>
+                <a:ea typeface="宋体" panose="02010600030101010101" pitchFamily="2" charset="-122"/>
+                <a:cs typeface="Times New Roman" panose="02020603050405020304" pitchFamily="18" charset="0"/>
+              </a:rPr>
+              <a:t>计算单元，所以测距算法</a:t>
+            </a:r>
+            <a:r>
+              <a:rPr lang="zh-CN" altLang="en-US" sz="1200" kern="100" dirty="0">
+                <a:effectLst/>
+                <a:latin typeface="Times New Roman" panose="02020603050405020304" pitchFamily="18" charset="0"/>
+                <a:ea typeface="宋体" panose="02010600030101010101" pitchFamily="2" charset="-122"/>
+                <a:cs typeface="Times New Roman" panose="02020603050405020304" pitchFamily="18" charset="0"/>
+              </a:rPr>
+              <a:t>的</a:t>
+            </a:r>
+            <a:r>
+              <a:rPr lang="zh-CN" altLang="zh-CN" sz="1200" kern="100" dirty="0">
+                <a:effectLst/>
+                <a:latin typeface="Times New Roman" panose="02020603050405020304" pitchFamily="18" charset="0"/>
+                <a:ea typeface="宋体" panose="02010600030101010101" pitchFamily="2" charset="-122"/>
+                <a:cs typeface="Times New Roman" panose="02020603050405020304" pitchFamily="18" charset="0"/>
+              </a:rPr>
+              <a:t>耗时在整</a:t>
+            </a:r>
+            <a:r>
+              <a:rPr lang="zh-CN" altLang="en-US" sz="1200" kern="100" dirty="0">
+                <a:effectLst/>
+                <a:latin typeface="Times New Roman" panose="02020603050405020304" pitchFamily="18" charset="0"/>
+                <a:ea typeface="宋体" panose="02010600030101010101" pitchFamily="2" charset="-122"/>
+                <a:cs typeface="Times New Roman" panose="02020603050405020304" pitchFamily="18" charset="0"/>
+              </a:rPr>
+              <a:t>段</a:t>
+            </a:r>
+            <a:r>
+              <a:rPr lang="zh-CN" altLang="zh-CN" sz="1200" kern="100" dirty="0">
+                <a:effectLst/>
+                <a:latin typeface="Times New Roman" panose="02020603050405020304" pitchFamily="18" charset="0"/>
+                <a:ea typeface="宋体" panose="02010600030101010101" pitchFamily="2" charset="-122"/>
+                <a:cs typeface="Times New Roman" panose="02020603050405020304" pitchFamily="18" charset="0"/>
+              </a:rPr>
+              <a:t>时间中仅占用了</a:t>
+            </a:r>
+            <a:r>
+              <a:rPr lang="en-US" altLang="zh-CN" sz="1200" kern="100" dirty="0">
+                <a:effectLst/>
+                <a:latin typeface="Times New Roman" panose="02020603050405020304" pitchFamily="18" charset="0"/>
+                <a:ea typeface="宋体" panose="02010600030101010101" pitchFamily="2" charset="-122"/>
+              </a:rPr>
+              <a:t>22%</a:t>
+            </a:r>
+            <a:r>
+              <a:rPr lang="zh-CN" altLang="zh-CN" sz="1200" kern="100" dirty="0">
+                <a:effectLst/>
+                <a:latin typeface="Times New Roman" panose="02020603050405020304" pitchFamily="18" charset="0"/>
+                <a:ea typeface="宋体" panose="02010600030101010101" pitchFamily="2" charset="-122"/>
+                <a:cs typeface="Times New Roman" panose="02020603050405020304" pitchFamily="18" charset="0"/>
+              </a:rPr>
+              <a:t>。总体来说这个处理速度</a:t>
+            </a:r>
+            <a:r>
+              <a:rPr lang="zh-CN" altLang="en-US" sz="1200" kern="100" dirty="0">
+                <a:effectLst/>
+                <a:latin typeface="Times New Roman" panose="02020603050405020304" pitchFamily="18" charset="0"/>
+                <a:ea typeface="宋体" panose="02010600030101010101" pitchFamily="2" charset="-122"/>
+                <a:cs typeface="Times New Roman" panose="02020603050405020304" pitchFamily="18" charset="0"/>
+              </a:rPr>
+              <a:t>是可以接受的</a:t>
+            </a:r>
+            <a:r>
+              <a:rPr lang="zh-CN" altLang="zh-CN" sz="1200" kern="100" dirty="0">
+                <a:effectLst/>
+                <a:latin typeface="Times New Roman" panose="02020603050405020304" pitchFamily="18" charset="0"/>
+                <a:ea typeface="宋体" panose="02010600030101010101" pitchFamily="2" charset="-122"/>
+                <a:cs typeface="Times New Roman" panose="02020603050405020304" pitchFamily="18" charset="0"/>
+              </a:rPr>
+              <a:t>。</a:t>
+            </a:r>
+            <a:endParaRPr lang="en-US" altLang="zh-CN" sz="1200" kern="100" dirty="0">
+              <a:effectLst/>
+              <a:latin typeface="Times New Roman" panose="02020603050405020304" pitchFamily="18" charset="0"/>
+              <a:ea typeface="宋体" panose="02010600030101010101" pitchFamily="2" charset="-122"/>
+              <a:cs typeface="Times New Roman" panose="02020603050405020304" pitchFamily="18" charset="0"/>
+            </a:endParaRPr>
+          </a:p>
+          <a:p>
+            <a:pPr indent="304800" algn="just">
+              <a:lnSpc>
+                <a:spcPct val="150000"/>
+              </a:lnSpc>
+            </a:pPr>
+            <a:r>
+              <a:rPr lang="zh-CN" altLang="en-US" sz="1200" kern="100" dirty="0">
+                <a:latin typeface="Times New Roman" panose="02020603050405020304" pitchFamily="18" charset="0"/>
+                <a:ea typeface="宋体" panose="02010600030101010101" pitchFamily="2" charset="-122"/>
+                <a:cs typeface="Times New Roman" panose="02020603050405020304" pitchFamily="18" charset="0"/>
+              </a:rPr>
+              <a:t>连续多次测距的标准差也很小，可以检测出目标的微动</a:t>
+            </a:r>
+            <a:r>
+              <a:rPr lang="zh-CN" altLang="zh-CN" sz="1200" kern="100" dirty="0">
+                <a:latin typeface="Times New Roman" panose="02020603050405020304" pitchFamily="18" charset="0"/>
+                <a:ea typeface="宋体" panose="02010600030101010101" pitchFamily="2" charset="-122"/>
+                <a:cs typeface="Times New Roman" panose="02020603050405020304" pitchFamily="18" charset="0"/>
+              </a:rPr>
+              <a:t>，</a:t>
+            </a:r>
+            <a:r>
+              <a:rPr lang="zh-CN" altLang="en-US" sz="1200" kern="100" dirty="0">
+                <a:latin typeface="Times New Roman" panose="02020603050405020304" pitchFamily="18" charset="0"/>
+                <a:ea typeface="宋体" panose="02010600030101010101" pitchFamily="2" charset="-122"/>
+                <a:cs typeface="Times New Roman" panose="02020603050405020304" pitchFamily="18" charset="0"/>
+              </a:rPr>
+              <a:t>满足</a:t>
+            </a:r>
+            <a:r>
+              <a:rPr lang="zh-CN" altLang="zh-CN" sz="1200" kern="100" dirty="0">
+                <a:latin typeface="Times New Roman" panose="02020603050405020304" pitchFamily="18" charset="0"/>
+                <a:ea typeface="宋体" panose="02010600030101010101" pitchFamily="2" charset="-122"/>
+                <a:cs typeface="Times New Roman" panose="02020603050405020304" pitchFamily="18" charset="0"/>
+              </a:rPr>
+              <a:t>对井下围岩微小变动</a:t>
+            </a:r>
+            <a:r>
+              <a:rPr lang="zh-CN" altLang="en-US" sz="1200" kern="100" dirty="0">
+                <a:latin typeface="Times New Roman" panose="02020603050405020304" pitchFamily="18" charset="0"/>
+                <a:ea typeface="宋体" panose="02010600030101010101" pitchFamily="2" charset="-122"/>
+                <a:cs typeface="Times New Roman" panose="02020603050405020304" pitchFamily="18" charset="0"/>
+              </a:rPr>
+              <a:t>预警的要求。</a:t>
+            </a:r>
+            <a:endParaRPr lang="en-US" altLang="zh-CN" sz="1200" kern="100" dirty="0">
+              <a:latin typeface="Times New Roman" panose="02020603050405020304" pitchFamily="18" charset="0"/>
+              <a:ea typeface="宋体" panose="02010600030101010101" pitchFamily="2" charset="-122"/>
+              <a:cs typeface="Times New Roman" panose="02020603050405020304" pitchFamily="18" charset="0"/>
+            </a:endParaRPr>
+          </a:p>
+          <a:p>
+            <a:pPr indent="304800" algn="just">
+              <a:lnSpc>
+                <a:spcPct val="150000"/>
+              </a:lnSpc>
+            </a:pPr>
+            <a:r>
+              <a:rPr lang="en-US" altLang="zh-CN" sz="1200" kern="100" dirty="0">
+                <a:latin typeface="Times New Roman" panose="02020603050405020304" pitchFamily="18" charset="0"/>
+                <a:ea typeface="宋体" panose="02010600030101010101" pitchFamily="2" charset="-122"/>
+                <a:cs typeface="Times New Roman" panose="02020603050405020304" pitchFamily="18" charset="0"/>
+              </a:rPr>
+              <a:t>ARM</a:t>
+            </a:r>
+            <a:r>
+              <a:rPr lang="zh-CN" altLang="en-US" sz="1200" kern="100">
+                <a:latin typeface="Times New Roman" panose="02020603050405020304" pitchFamily="18" charset="0"/>
+                <a:ea typeface="宋体" panose="02010600030101010101" pitchFamily="2" charset="-122"/>
+                <a:cs typeface="Times New Roman" panose="02020603050405020304" pitchFamily="18" charset="0"/>
+              </a:rPr>
+              <a:t>除了对雷达</a:t>
+            </a:r>
+            <a:r>
+              <a:rPr lang="zh-CN" altLang="en-US" sz="1200" kern="100" dirty="0">
+                <a:latin typeface="Times New Roman" panose="02020603050405020304" pitchFamily="18" charset="0"/>
+                <a:ea typeface="宋体" panose="02010600030101010101" pitchFamily="2" charset="-122"/>
+                <a:cs typeface="Times New Roman" panose="02020603050405020304" pitchFamily="18" charset="0"/>
+              </a:rPr>
+              <a:t>数据进行处理获得距离外还控制了无线射频模块，可以将距离信息传输至上位机平台。</a:t>
+            </a:r>
+            <a:endParaRPr lang="zh-CN" altLang="zh-CN" sz="1200" kern="100" dirty="0">
+              <a:latin typeface="Times New Roman" panose="02020603050405020304" pitchFamily="18" charset="0"/>
+              <a:ea typeface="宋体" panose="02010600030101010101" pitchFamily="2" charset="-122"/>
+              <a:cs typeface="Times New Roman" panose="02020603050405020304" pitchFamily="18" charset="0"/>
+            </a:endParaRPr>
+          </a:p>
+          <a:p>
+            <a:endParaRPr lang="zh-CN" altLang="en-US" dirty="0"/>
           </a:p>
         </p:txBody>
       </p:sp>
@@ -1675,7 +2003,10 @@
           <a:bodyPr/>
           <a:lstStyle/>
           <a:p>
-            <a:endParaRPr lang="zh-CN" altLang="en-US"/>
+            <a:r>
+              <a:rPr lang="zh-CN" altLang="en-US" dirty="0"/>
+              <a:t>对于左图中转动平台的设计使用二相四线的步进电机做控制</a:t>
+            </a:r>
           </a:p>
         </p:txBody>
       </p:sp>
@@ -1759,7 +2090,28 @@
           <a:bodyPr/>
           <a:lstStyle/>
           <a:p>
-            <a:endParaRPr lang="zh-CN" altLang="en-US"/>
+            <a:r>
+              <a:rPr lang="zh-CN" altLang="en-US" dirty="0"/>
+              <a:t>上位机采用</a:t>
+            </a:r>
+            <a:r>
+              <a:rPr lang="en-US" altLang="zh-CN" dirty="0"/>
+              <a:t>C++</a:t>
+            </a:r>
+            <a:r>
+              <a:rPr lang="zh-CN" altLang="en-US" dirty="0"/>
+              <a:t>编写，可以显示当前</a:t>
+            </a:r>
+            <a:r>
+              <a:rPr lang="zh-CN" altLang="zh-CN" sz="1200" kern="100" dirty="0">
+                <a:effectLst/>
+                <a:latin typeface="Times New Roman" panose="02020603050405020304" pitchFamily="18" charset="0"/>
+                <a:ea typeface="宋体" panose="02010600030101010101" pitchFamily="2" charset="-122"/>
+                <a:cs typeface="宋体" panose="02010600030101010101" pitchFamily="2" charset="-122"/>
+              </a:rPr>
+              <a:t>的测距距离，并可以绘制出同一点的不同时间的距离变化，若井下围岩产生微小形变，工作人员可以在界面中看出波形图的异常，同时会发送报警信息。</a:t>
+            </a:r>
+            <a:endParaRPr lang="zh-CN" altLang="en-US" dirty="0"/>
           </a:p>
         </p:txBody>
       </p:sp>
@@ -1843,7 +2195,10 @@
           <a:bodyPr/>
           <a:lstStyle/>
           <a:p>
-            <a:endParaRPr lang="zh-CN" altLang="en-US"/>
+            <a:r>
+              <a:rPr lang="zh-CN" altLang="en-US" dirty="0"/>
+              <a:t>谢谢观看</a:t>
+            </a:r>
           </a:p>
         </p:txBody>
       </p:sp>
@@ -1927,7 +2282,10 @@
           <a:bodyPr/>
           <a:lstStyle/>
           <a:p>
-            <a:endParaRPr lang="zh-CN" altLang="en-US"/>
+            <a:r>
+              <a:rPr lang="zh-CN" altLang="en-US" dirty="0"/>
+              <a:t>本项目的研究目的是为了预防矿井坍塌等安全事故，其研究难点在于如何使测距精度达到可以检测出微小形变，以下是我的项目进展</a:t>
+            </a:r>
           </a:p>
         </p:txBody>
       </p:sp>
@@ -2095,7 +2453,10 @@
           <a:bodyPr/>
           <a:lstStyle/>
           <a:p>
-            <a:endParaRPr lang="zh-CN" altLang="en-US"/>
+            <a:r>
+              <a:rPr lang="zh-CN" altLang="en-US" dirty="0"/>
+              <a:t>目前已经完成了毫米波雷达理论学习、测距理论验证、高精度测距算法理论验证和硬件平台实现、上位机设计和转台设计。接下来将完成多部雷达的部署和可移动平台的搭建。</a:t>
+            </a:r>
           </a:p>
         </p:txBody>
       </p:sp>
@@ -2179,7 +2540,10 @@
           <a:bodyPr/>
           <a:lstStyle/>
           <a:p>
-            <a:endParaRPr lang="zh-CN" altLang="en-US"/>
+            <a:r>
+              <a:rPr lang="zh-CN" altLang="en-US" dirty="0"/>
+              <a:t>在高精度测距算法研究中，主要对基于频谱细化的测距算法和基于相位修正的相位差算法进行研究。</a:t>
+            </a:r>
           </a:p>
         </p:txBody>
       </p:sp>
@@ -2263,7 +2627,97 @@
           <a:bodyPr/>
           <a:lstStyle/>
           <a:p>
-            <a:endParaRPr lang="zh-CN" altLang="en-US"/>
+            <a:r>
+              <a:rPr lang="zh-CN" altLang="en-US" dirty="0"/>
+              <a:t>频谱细化通常有</a:t>
+            </a:r>
+            <a:r>
+              <a:rPr lang="en-US" altLang="zh-CN" dirty="0"/>
+              <a:t>FFT</a:t>
+            </a:r>
+            <a:r>
+              <a:rPr lang="zh-CN" altLang="en-US" dirty="0"/>
+              <a:t>时域补零和</a:t>
+            </a:r>
+            <a:r>
+              <a:rPr lang="en-US" altLang="zh-CN" dirty="0"/>
+              <a:t>CZT</a:t>
+            </a:r>
+            <a:r>
+              <a:rPr lang="zh-CN" altLang="en-US" dirty="0"/>
+              <a:t>变换等方式</a:t>
+            </a:r>
+            <a:endParaRPr lang="en-US" altLang="zh-CN" dirty="0"/>
+          </a:p>
+          <a:p>
+            <a:r>
+              <a:rPr lang="zh-CN" altLang="zh-CN" sz="1200" dirty="0"/>
+              <a:t>补零对原来的频谱起到插值的作用</a:t>
+            </a:r>
+            <a:r>
+              <a:rPr lang="zh-CN" altLang="en-US" sz="1200" dirty="0"/>
+              <a:t>，</a:t>
+            </a:r>
+            <a:r>
+              <a:rPr lang="zh-CN" altLang="zh-CN" sz="1200" dirty="0"/>
+              <a:t>使原来看不见的频谱线能被看到</a:t>
+            </a:r>
+            <a:r>
+              <a:rPr lang="zh-CN" altLang="en-US" sz="1200" dirty="0"/>
+              <a:t>，但</a:t>
+            </a:r>
+            <a:r>
+              <a:rPr lang="zh-CN" altLang="zh-CN" sz="1800" kern="100" dirty="0">
+                <a:effectLst/>
+                <a:latin typeface="Times New Roman" panose="02020603050405020304" pitchFamily="18" charset="0"/>
+                <a:ea typeface="宋体" panose="02010600030101010101" pitchFamily="2" charset="-122"/>
+                <a:cs typeface="Times New Roman" panose="02020603050405020304" pitchFamily="18" charset="0"/>
+              </a:rPr>
+              <a:t>补零后的频谱在时域上对应的是补零后的波形，如果补零过多会导致原信号的失真，同时计算量变大。</a:t>
+            </a:r>
+            <a:endParaRPr lang="en-US" altLang="zh-CN" sz="1800" kern="100" dirty="0">
+              <a:effectLst/>
+              <a:latin typeface="Times New Roman" panose="02020603050405020304" pitchFamily="18" charset="0"/>
+              <a:ea typeface="宋体" panose="02010600030101010101" pitchFamily="2" charset="-122"/>
+              <a:cs typeface="Times New Roman" panose="02020603050405020304" pitchFamily="18" charset="0"/>
+            </a:endParaRPr>
+          </a:p>
+          <a:p>
+            <a:r>
+              <a:rPr lang="en-US" altLang="zh-CN" sz="1800" kern="100" dirty="0">
+                <a:effectLst/>
+                <a:latin typeface="Times New Roman" panose="02020603050405020304" pitchFamily="18" charset="0"/>
+                <a:ea typeface="宋体" panose="02010600030101010101" pitchFamily="2" charset="-122"/>
+                <a:cs typeface="Times New Roman" panose="02020603050405020304" pitchFamily="18" charset="0"/>
+              </a:rPr>
+              <a:t>CZT</a:t>
+            </a:r>
+            <a:r>
+              <a:rPr lang="zh-CN" altLang="en-US" sz="1800" kern="100" dirty="0">
+                <a:effectLst/>
+                <a:latin typeface="Times New Roman" panose="02020603050405020304" pitchFamily="18" charset="0"/>
+                <a:ea typeface="宋体" panose="02010600030101010101" pitchFamily="2" charset="-122"/>
+                <a:cs typeface="Times New Roman" panose="02020603050405020304" pitchFamily="18" charset="0"/>
+              </a:rPr>
+              <a:t>变换可以对单位圆上的</a:t>
+            </a:r>
+            <a:r>
+              <a:rPr lang="zh-CN" altLang="zh-CN" sz="1200" dirty="0"/>
+              <a:t>某一段</a:t>
+            </a:r>
+            <a:r>
+              <a:rPr lang="zh-CN" altLang="en-US" sz="1200" dirty="0"/>
+              <a:t>感兴趣的</a:t>
+            </a:r>
+            <a:r>
+              <a:rPr lang="zh-CN" altLang="zh-CN" sz="1200" dirty="0"/>
+              <a:t>频谱进行细化，</a:t>
+            </a:r>
+            <a:r>
+              <a:rPr lang="zh-CN" altLang="en-US" sz="1200" dirty="0"/>
+              <a:t>不会消耗太多的时间</a:t>
+            </a:r>
+            <a:endParaRPr lang="zh-CN" altLang="en-US" dirty="0"/>
           </a:p>
         </p:txBody>
       </p:sp>
@@ -2347,6 +2801,63 @@
           <a:bodyPr/>
           <a:lstStyle/>
           <a:p>
+            <a:pPr>
+              <a:lnSpc>
+                <a:spcPct val="150000"/>
+              </a:lnSpc>
+            </a:pPr>
+            <a:r>
+              <a:rPr lang="en-US" altLang="zh-CN" sz="1200" dirty="0"/>
+              <a:t> </a:t>
+            </a:r>
+            <a:r>
+              <a:rPr lang="zh-CN" altLang="zh-CN" sz="1200" dirty="0"/>
+              <a:t>对于同一段中频信号采样序列</a:t>
+            </a:r>
+            <a:endParaRPr lang="en-US" altLang="zh-CN" sz="1200" dirty="0"/>
+          </a:p>
+          <a:p>
+            <a:pPr>
+              <a:lnSpc>
+                <a:spcPct val="150000"/>
+              </a:lnSpc>
+            </a:pPr>
+            <a:r>
+              <a:rPr lang="zh-CN" altLang="zh-CN" sz="1200" dirty="0"/>
+              <a:t>分别使用时域补零算法和</a:t>
+            </a:r>
+            <a:r>
+              <a:rPr lang="en-US" altLang="zh-CN" sz="1200" dirty="0"/>
+              <a:t>CZT</a:t>
+            </a:r>
+            <a:r>
+              <a:rPr lang="zh-CN" altLang="zh-CN" sz="1200" dirty="0"/>
+              <a:t>变换算法达到同样的频谱细化程度</a:t>
+            </a:r>
+            <a:endParaRPr lang="en-US" altLang="zh-CN" sz="1200" dirty="0"/>
+          </a:p>
+          <a:p>
+            <a:pPr>
+              <a:lnSpc>
+                <a:spcPct val="150000"/>
+              </a:lnSpc>
+            </a:pPr>
+            <a:r>
+              <a:rPr lang="zh-CN" altLang="zh-CN" sz="1200" dirty="0"/>
+              <a:t>可以看出</a:t>
+            </a:r>
+            <a:r>
+              <a:rPr lang="en-US" altLang="zh-CN" sz="1200" dirty="0"/>
+              <a:t>CZT</a:t>
+            </a:r>
+            <a:r>
+              <a:rPr lang="zh-CN" altLang="zh-CN" sz="1200" dirty="0"/>
+              <a:t>变换相比于时域补零，</a:t>
+            </a:r>
+            <a:r>
+              <a:rPr lang="zh-CN" altLang="en-US" sz="1200" dirty="0"/>
+              <a:t>精度提升能力相同，但运算时间大幅缩短</a:t>
+            </a:r>
             <a:endParaRPr lang="zh-CN" altLang="en-US" dirty="0"/>
           </a:p>
         </p:txBody>
@@ -2431,7 +2942,26 @@
           <a:bodyPr/>
           <a:lstStyle/>
           <a:p>
-            <a:endParaRPr lang="zh-CN" altLang="en-US"/>
+            <a:r>
+              <a:rPr lang="zh-CN" altLang="en-US" dirty="0"/>
+              <a:t>通过相位差结合相位法对测频法的距离进行修正，将测距的标准差降低了</a:t>
+            </a:r>
+            <a:r>
+              <a:rPr lang="en-US" altLang="zh-CN" dirty="0"/>
+              <a:t>90%</a:t>
+            </a:r>
+            <a:r>
+              <a:rPr lang="zh-CN" altLang="en-US" dirty="0"/>
+              <a:t>，测距精度提高了</a:t>
+            </a:r>
+            <a:r>
+              <a:rPr lang="en-US" altLang="zh-CN" dirty="0"/>
+              <a:t>3mm</a:t>
+            </a:r>
+            <a:r>
+              <a:rPr lang="zh-CN" altLang="en-US" dirty="0"/>
+              <a:t>左右。</a:t>
+            </a:r>
           </a:p>
         </p:txBody>
       </p:sp>
@@ -2515,7 +3045,61 @@
           <a:bodyPr/>
           <a:lstStyle/>
           <a:p>
-            <a:endParaRPr lang="zh-CN" altLang="en-US"/>
+            <a:r>
+              <a:rPr lang="zh-CN" altLang="zh-CN" sz="1800" kern="100" dirty="0">
+                <a:effectLst/>
+                <a:latin typeface="Times New Roman" panose="02020603050405020304" pitchFamily="18" charset="0"/>
+                <a:ea typeface="宋体" panose="02010600030101010101" pitchFamily="2" charset="-122"/>
+                <a:cs typeface="Times New Roman" panose="02020603050405020304" pitchFamily="18" charset="0"/>
+              </a:rPr>
+              <a:t>由于雷达接收机内部干扰等原因，</a:t>
+            </a:r>
+            <a:r>
+              <a:rPr lang="zh-CN" altLang="en-US" sz="1800" kern="100" dirty="0">
+                <a:effectLst/>
+                <a:latin typeface="Times New Roman" panose="02020603050405020304" pitchFamily="18" charset="0"/>
+                <a:ea typeface="宋体" panose="02010600030101010101" pitchFamily="2" charset="-122"/>
+                <a:cs typeface="Times New Roman" panose="02020603050405020304" pitchFamily="18" charset="0"/>
+              </a:rPr>
+              <a:t>背景</a:t>
+            </a:r>
+            <a:r>
+              <a:rPr lang="zh-CN" altLang="zh-CN" sz="1800" kern="100" dirty="0">
+                <a:effectLst/>
+                <a:latin typeface="Times New Roman" panose="02020603050405020304" pitchFamily="18" charset="0"/>
+                <a:ea typeface="宋体" panose="02010600030101010101" pitchFamily="2" charset="-122"/>
+                <a:cs typeface="Times New Roman" panose="02020603050405020304" pitchFamily="18" charset="0"/>
+              </a:rPr>
+              <a:t>噪声在不断变化，所以对于信号判断门限的选取</a:t>
+            </a:r>
+            <a:r>
+              <a:rPr lang="zh-CN" altLang="en-US" sz="1800" kern="100" dirty="0">
+                <a:effectLst/>
+                <a:latin typeface="Times New Roman" panose="02020603050405020304" pitchFamily="18" charset="0"/>
+                <a:ea typeface="宋体" panose="02010600030101010101" pitchFamily="2" charset="-122"/>
+                <a:cs typeface="Times New Roman" panose="02020603050405020304" pitchFamily="18" charset="0"/>
+              </a:rPr>
+              <a:t>采用了</a:t>
+            </a:r>
+            <a:r>
+              <a:rPr lang="en-US" altLang="zh-CN" sz="1800" kern="100" dirty="0">
+                <a:effectLst/>
+                <a:latin typeface="Times New Roman" panose="02020603050405020304" pitchFamily="18" charset="0"/>
+                <a:ea typeface="宋体" panose="02010600030101010101" pitchFamily="2" charset="-122"/>
+                <a:cs typeface="Times New Roman" panose="02020603050405020304" pitchFamily="18" charset="0"/>
+              </a:rPr>
+              <a:t>CFAR</a:t>
+            </a:r>
+            <a:r>
+              <a:rPr lang="zh-CN" altLang="en-US" sz="1800" kern="100" dirty="0">
+                <a:effectLst/>
+                <a:latin typeface="Times New Roman" panose="02020603050405020304" pitchFamily="18" charset="0"/>
+                <a:ea typeface="宋体" panose="02010600030101010101" pitchFamily="2" charset="-122"/>
+                <a:cs typeface="Times New Roman" panose="02020603050405020304" pitchFamily="18" charset="0"/>
+              </a:rPr>
+              <a:t>恒虚警检测算法</a:t>
+            </a:r>
+            <a:endParaRPr lang="zh-CN" altLang="en-US" dirty="0"/>
           </a:p>
         </p:txBody>
       </p:sp>
@@ -2734,7 +3318,7 @@
           <a:p>
             <a:fld id="{530820CF-B880-4189-942D-D702A7CBA730}" type="datetimeFigureOut">
               <a:rPr lang="zh-CN" altLang="en-US" smtClean="0"/>
-              <a:t>2022/4/27</a:t>
+              <a:t>2022/4/28</a:t>
             </a:fld>
             <a:endParaRPr lang="zh-CN" altLang="en-US"/>
           </a:p>
@@ -2909,7 +3493,7 @@
           <a:p>
             <a:fld id="{530820CF-B880-4189-942D-D702A7CBA730}" type="datetimeFigureOut">
               <a:rPr lang="zh-CN" altLang="en-US" smtClean="0"/>
-              <a:t>2022/4/27</a:t>
+              <a:t>2022/4/28</a:t>
             </a:fld>
             <a:endParaRPr lang="zh-CN" altLang="en-US"/>
           </a:p>
@@ -3094,7 +3678,7 @@
           <a:p>
             <a:fld id="{530820CF-B880-4189-942D-D702A7CBA730}" type="datetimeFigureOut">
               <a:rPr lang="zh-CN" altLang="en-US" smtClean="0"/>
-              <a:t>2022/4/27</a:t>
+              <a:t>2022/4/28</a:t>
             </a:fld>
             <a:endParaRPr lang="zh-CN" altLang="en-US"/>
           </a:p>
@@ -3269,7 +3853,7 @@
           <a:p>
             <a:fld id="{530820CF-B880-4189-942D-D702A7CBA730}" type="datetimeFigureOut">
               <a:rPr lang="zh-CN" altLang="en-US" smtClean="0"/>
-              <a:t>2022/4/27</a:t>
+              <a:t>2022/4/28</a:t>
             </a:fld>
             <a:endParaRPr lang="zh-CN" altLang="en-US"/>
           </a:p>
@@ -3521,7 +4105,7 @@
           <a:p>
             <a:fld id="{530820CF-B880-4189-942D-D702A7CBA730}" type="datetimeFigureOut">
               <a:rPr lang="zh-CN" altLang="en-US" smtClean="0"/>
-              <a:t>2022/4/27</a:t>
+              <a:t>2022/4/28</a:t>
             </a:fld>
             <a:endParaRPr lang="zh-CN" altLang="en-US"/>
           </a:p>
@@ -3813,7 +4397,7 @@
           <a:p>
             <a:fld id="{530820CF-B880-4189-942D-D702A7CBA730}" type="datetimeFigureOut">
               <a:rPr lang="zh-CN" altLang="en-US" smtClean="0"/>
-              <a:t>2022/4/27</a:t>
+              <a:t>2022/4/28</a:t>
             </a:fld>
             <a:endParaRPr lang="zh-CN" altLang="en-US"/>
           </a:p>
@@ -4239,7 +4823,7 @@
           <a:p>
             <a:fld id="{530820CF-B880-4189-942D-D702A7CBA730}" type="datetimeFigureOut">
               <a:rPr lang="zh-CN" altLang="en-US" smtClean="0"/>
-              <a:t>2022/4/27</a:t>
+              <a:t>2022/4/28</a:t>
             </a:fld>
             <a:endParaRPr lang="zh-CN" altLang="en-US"/>
           </a:p>
@@ -4363,7 +4947,7 @@
           <a:p>
             <a:fld id="{530820CF-B880-4189-942D-D702A7CBA730}" type="datetimeFigureOut">
               <a:rPr lang="zh-CN" altLang="en-US" smtClean="0"/>
-              <a:t>2022/4/27</a:t>
+              <a:t>2022/4/28</a:t>
             </a:fld>
             <a:endParaRPr lang="zh-CN" altLang="en-US"/>
           </a:p>
@@ -4465,7 +5049,7 @@
           <a:p>
             <a:fld id="{530820CF-B880-4189-942D-D702A7CBA730}" type="datetimeFigureOut">
               <a:rPr lang="zh-CN" altLang="en-US" smtClean="0"/>
-              <a:t>2022/4/27</a:t>
+              <a:t>2022/4/28</a:t>
             </a:fld>
             <a:endParaRPr lang="zh-CN" altLang="en-US"/>
           </a:p>
@@ -4747,7 +5331,7 @@
           <a:p>
             <a:fld id="{530820CF-B880-4189-942D-D702A7CBA730}" type="datetimeFigureOut">
               <a:rPr lang="zh-CN" altLang="en-US" smtClean="0"/>
-              <a:t>2022/4/27</a:t>
+              <a:t>2022/4/28</a:t>
             </a:fld>
             <a:endParaRPr lang="zh-CN" altLang="en-US"/>
           </a:p>
@@ -5006,7 +5590,7 @@
           <a:p>
             <a:fld id="{530820CF-B880-4189-942D-D702A7CBA730}" type="datetimeFigureOut">
               <a:rPr lang="zh-CN" altLang="en-US" smtClean="0"/>
-              <a:t>2022/4/27</a:t>
+              <a:t>2022/4/28</a:t>
             </a:fld>
             <a:endParaRPr lang="zh-CN" altLang="en-US"/>
           </a:p>
@@ -5224,7 +5808,7 @@
           <a:p>
             <a:fld id="{530820CF-B880-4189-942D-D702A7CBA730}" type="datetimeFigureOut">
               <a:rPr lang="zh-CN" altLang="en-US" smtClean="0"/>
-              <a:t>2022/4/27</a:t>
+              <a:t>2022/4/28</a:t>
             </a:fld>
             <a:endParaRPr lang="zh-CN" altLang="en-US"/>
           </a:p>
@@ -6066,7 +6650,7 @@
           <p:nvPr/>
         </p:nvPicPr>
         <p:blipFill>
-          <a:blip r:embed="rId3" cstate="print">
+          <a:blip r:embed="rId4" cstate="print">
             <a:extLst>
               <a:ext uri="{28A0092B-C50C-407E-A947-70E740481C1C}">
                 <a14:useLocalDpi xmlns:a14="http://schemas.microsoft.com/office/drawing/2010/main" val="0"/>
@@ -6088,6 +6672,9 @@
         </p:spPr>
       </p:pic>
     </p:spTree>
+    <p:custDataLst>
+      <p:tags r:id="rId1"/>
+    </p:custDataLst>
     <p:extLst>
       <p:ext uri="{BB962C8B-B14F-4D97-AF65-F5344CB8AC3E}">
         <p14:creationId xmlns:p14="http://schemas.microsoft.com/office/powerpoint/2010/main" val="190831371"/>
@@ -6097,14 +6684,14 @@
   <p:clrMapOvr>
     <a:masterClrMapping/>
   </p:clrMapOvr>
-  <mc:AlternateContent xmlns:mc="http://schemas.openxmlformats.org/markup-compatibility/2006" xmlns:p14="http://schemas.microsoft.com/office/powerpoint/2010/main">
-    <mc:Choice Requires="p14">
-      <p:transition spd="med" p14:dur="700" advTm="3000">
+  <mc:AlternateContent xmlns:mc="http://schemas.openxmlformats.org/markup-compatibility/2006">
+    <mc:Choice xmlns:p14="http://schemas.microsoft.com/office/powerpoint/2010/main" Requires="p14">
+      <p:transition spd="med" p14:dur="700">
         <p:fade/>
       </p:transition>
     </mc:Choice>
-    <mc:Fallback xmlns="">
-      <p:transition spd="med" advTm="3000">
+    <mc:Fallback>
+      <p:transition spd="med">
         <p:fade/>
       </p:transition>
     </mc:Fallback>
@@ -7236,14 +7823,14 @@
   <p:clrMapOvr>
     <a:masterClrMapping/>
   </p:clrMapOvr>
-  <mc:AlternateContent xmlns:mc="http://schemas.openxmlformats.org/markup-compatibility/2006" xmlns:p14="http://schemas.microsoft.com/office/powerpoint/2010/main">
-    <mc:Choice Requires="p14">
-      <p:transition spd="med" p14:dur="700" advTm="3000">
+  <mc:AlternateContent xmlns:mc="http://schemas.openxmlformats.org/markup-compatibility/2006">
+    <mc:Choice xmlns:p14="http://schemas.microsoft.com/office/powerpoint/2010/main" Requires="p14">
+      <p:transition spd="med" p14:dur="700">
         <p:fade/>
       </p:transition>
     </mc:Choice>
-    <mc:Fallback xmlns="">
-      <p:transition spd="med" advTm="3000">
+    <mc:Fallback>
+      <p:transition spd="med">
         <p:fade/>
       </p:transition>
     </mc:Fallback>
@@ -7849,14 +8436,14 @@
   <p:clrMapOvr>
     <a:masterClrMapping/>
   </p:clrMapOvr>
-  <mc:AlternateContent xmlns:mc="http://schemas.openxmlformats.org/markup-compatibility/2006" xmlns:p14="http://schemas.microsoft.com/office/powerpoint/2010/main">
-    <mc:Choice Requires="p14">
-      <p:transition spd="med" p14:dur="700" advTm="3000">
+  <mc:AlternateContent xmlns:mc="http://schemas.openxmlformats.org/markup-compatibility/2006">
+    <mc:Choice xmlns:p14="http://schemas.microsoft.com/office/powerpoint/2010/main" Requires="p14">
+      <p:transition spd="med" p14:dur="700">
         <p:fade/>
       </p:transition>
     </mc:Choice>
-    <mc:Fallback xmlns="">
-      <p:transition spd="med" advTm="3000">
+    <mc:Fallback>
+      <p:transition spd="med">
         <p:fade/>
       </p:transition>
     </mc:Fallback>
@@ -8447,14 +9034,14 @@
   <p:clrMapOvr>
     <a:masterClrMapping/>
   </p:clrMapOvr>
-  <mc:AlternateContent xmlns:mc="http://schemas.openxmlformats.org/markup-compatibility/2006" xmlns:p14="http://schemas.microsoft.com/office/powerpoint/2010/main">
-    <mc:Choice Requires="p14">
-      <p:transition spd="med" p14:dur="700" advTm="3000">
+  <mc:AlternateContent xmlns:mc="http://schemas.openxmlformats.org/markup-compatibility/2006">
+    <mc:Choice xmlns:p14="http://schemas.microsoft.com/office/powerpoint/2010/main" Requires="p14">
+      <p:transition spd="med" p14:dur="700">
         <p:fade/>
       </p:transition>
     </mc:Choice>
-    <mc:Fallback xmlns="">
-      <p:transition spd="med" advTm="3000">
+    <mc:Fallback>
+      <p:transition spd="med">
         <p:fade/>
       </p:transition>
     </mc:Fallback>
@@ -8965,14 +9552,14 @@
   <p:clrMapOvr>
     <a:masterClrMapping/>
   </p:clrMapOvr>
-  <mc:AlternateContent xmlns:mc="http://schemas.openxmlformats.org/markup-compatibility/2006" xmlns:p14="http://schemas.microsoft.com/office/powerpoint/2010/main">
-    <mc:Choice Requires="p14">
-      <p:transition spd="med" p14:dur="700" advTm="3000">
+  <mc:AlternateContent xmlns:mc="http://schemas.openxmlformats.org/markup-compatibility/2006">
+    <mc:Choice xmlns:p14="http://schemas.microsoft.com/office/powerpoint/2010/main" Requires="p14">
+      <p:transition spd="med" p14:dur="700">
         <p:fade/>
       </p:transition>
     </mc:Choice>
-    <mc:Fallback xmlns="">
-      <p:transition spd="med" advTm="3000">
+    <mc:Fallback>
+      <p:transition spd="med">
         <p:fade/>
       </p:transition>
     </mc:Fallback>
@@ -9352,14 +9939,14 @@
   <p:clrMapOvr>
     <a:masterClrMapping/>
   </p:clrMapOvr>
-  <mc:AlternateContent xmlns:mc="http://schemas.openxmlformats.org/markup-compatibility/2006" xmlns:p14="http://schemas.microsoft.com/office/powerpoint/2010/main">
-    <mc:Choice Requires="p14">
-      <p:transition spd="med" p14:dur="700" advTm="3000">
+  <mc:AlternateContent xmlns:mc="http://schemas.openxmlformats.org/markup-compatibility/2006">
+    <mc:Choice xmlns:p14="http://schemas.microsoft.com/office/powerpoint/2010/main" Requires="p14">
+      <p:transition spd="med" p14:dur="700">
         <p:fade/>
       </p:transition>
     </mc:Choice>
-    <mc:Fallback xmlns="">
-      <p:transition spd="med" advTm="3000">
+    <mc:Fallback>
+      <p:transition spd="med">
         <p:fade/>
       </p:transition>
     </mc:Fallback>
@@ -9976,7 +10563,7 @@
           </a:ln>
           <a:extLst>
             <a:ext uri="{C572A759-6A51-4108-AA02-DFA0A04FC94B}">
-              <ma14:wrappingTextBoxFlag xmlns:ma14="http://schemas.microsoft.com/office/mac/drawingml/2011/main" xmlns="" val="1"/>
+              <ma14:wrappingTextBoxFlag xmlns="" xmlns:ma14="http://schemas.microsoft.com/office/mac/drawingml/2011/main" val="1"/>
             </a:ext>
           </a:extLst>
         </p:spPr>
@@ -10084,7 +10671,7 @@
           <p:nvPr/>
         </p:nvPicPr>
         <p:blipFill>
-          <a:blip r:embed="rId3" cstate="print">
+          <a:blip r:embed="rId4" cstate="print">
             <a:extLst>
               <a:ext uri="{28A0092B-C50C-407E-A947-70E740481C1C}">
                 <a14:useLocalDpi xmlns:a14="http://schemas.microsoft.com/office/drawing/2010/main" val="0"/>
@@ -10120,7 +10707,7 @@
           <p:nvPr/>
         </p:nvPicPr>
         <p:blipFill>
-          <a:blip r:embed="rId4"/>
+          <a:blip r:embed="rId5"/>
           <a:stretch>
             <a:fillRect/>
           </a:stretch>
@@ -10179,6 +10766,9 @@
         </p:txBody>
       </p:sp>
     </p:spTree>
+    <p:custDataLst>
+      <p:tags r:id="rId1"/>
+    </p:custDataLst>
     <p:extLst>
       <p:ext uri="{BB962C8B-B14F-4D97-AF65-F5344CB8AC3E}">
         <p14:creationId xmlns:p14="http://schemas.microsoft.com/office/powerpoint/2010/main" val="2133803845"/>
@@ -10188,14 +10778,14 @@
   <p:clrMapOvr>
     <a:masterClrMapping/>
   </p:clrMapOvr>
-  <mc:AlternateContent xmlns:mc="http://schemas.openxmlformats.org/markup-compatibility/2006" xmlns:p14="http://schemas.microsoft.com/office/powerpoint/2010/main">
-    <mc:Choice Requires="p14">
-      <p:transition spd="med" p14:dur="700" advTm="3000">
+  <mc:AlternateContent xmlns:mc="http://schemas.openxmlformats.org/markup-compatibility/2006">
+    <mc:Choice xmlns:p14="http://schemas.microsoft.com/office/powerpoint/2010/main" Requires="p14">
+      <p:transition spd="med" p14:dur="700">
         <p:fade/>
       </p:transition>
     </mc:Choice>
-    <mc:Fallback xmlns="">
-      <p:transition spd="med" advTm="3000">
+    <mc:Fallback>
+      <p:transition spd="med">
         <p:fade/>
       </p:transition>
     </mc:Fallback>
@@ -10751,6 +11341,9 @@
         </p:cxnSp>
       </p:grpSp>
     </p:spTree>
+    <p:custDataLst>
+      <p:tags r:id="rId1"/>
+    </p:custDataLst>
     <p:extLst>
       <p:ext uri="{BB962C8B-B14F-4D97-AF65-F5344CB8AC3E}">
         <p14:creationId xmlns:p14="http://schemas.microsoft.com/office/powerpoint/2010/main" val="3989798349"/>
@@ -10760,14 +11353,14 @@
   <p:clrMapOvr>
     <a:masterClrMapping/>
   </p:clrMapOvr>
-  <mc:AlternateContent xmlns:mc="http://schemas.openxmlformats.org/markup-compatibility/2006" xmlns:p14="http://schemas.microsoft.com/office/powerpoint/2010/main">
-    <mc:Choice Requires="p14">
-      <p:transition spd="med" p14:dur="700" advTm="3000">
+  <mc:AlternateContent xmlns:mc="http://schemas.openxmlformats.org/markup-compatibility/2006">
+    <mc:Choice xmlns:p14="http://schemas.microsoft.com/office/powerpoint/2010/main" Requires="p14">
+      <p:transition spd="med" p14:dur="700">
         <p:fade/>
       </p:transition>
     </mc:Choice>
-    <mc:Fallback xmlns="">
-      <p:transition spd="med" advTm="3000">
+    <mc:Fallback>
+      <p:transition spd="med">
         <p:fade/>
       </p:transition>
     </mc:Fallback>
@@ -11500,14 +12093,14 @@
   <p:clrMapOvr>
     <a:masterClrMapping/>
   </p:clrMapOvr>
-  <mc:AlternateContent xmlns:mc="http://schemas.openxmlformats.org/markup-compatibility/2006" xmlns:p14="http://schemas.microsoft.com/office/powerpoint/2010/main">
-    <mc:Choice Requires="p14">
-      <p:transition spd="med" p14:dur="700" advTm="3000">
+  <mc:AlternateContent xmlns:mc="http://schemas.openxmlformats.org/markup-compatibility/2006">
+    <mc:Choice xmlns:p14="http://schemas.microsoft.com/office/powerpoint/2010/main" Requires="p14">
+      <p:transition spd="med" p14:dur="700">
         <p:fade/>
       </p:transition>
     </mc:Choice>
-    <mc:Fallback xmlns="">
-      <p:transition spd="med" advTm="3000">
+    <mc:Fallback>
+      <p:transition spd="med">
         <p:fade/>
       </p:transition>
     </mc:Fallback>
@@ -11880,7 +12473,7 @@
           </a:ln>
           <a:extLst>
             <a:ext uri="{C572A759-6A51-4108-AA02-DFA0A04FC94B}">
-              <ma14:wrappingTextBoxFlag xmlns:ma14="http://schemas.microsoft.com/office/mac/drawingml/2011/main" xmlns="" val="1"/>
+              <ma14:wrappingTextBoxFlag xmlns="" xmlns:ma14="http://schemas.microsoft.com/office/mac/drawingml/2011/main" val="1"/>
             </a:ext>
           </a:extLst>
         </p:spPr>
@@ -12077,14 +12670,14 @@
   <p:clrMapOvr>
     <a:masterClrMapping/>
   </p:clrMapOvr>
-  <mc:AlternateContent xmlns:mc="http://schemas.openxmlformats.org/markup-compatibility/2006" xmlns:p14="http://schemas.microsoft.com/office/powerpoint/2010/main">
-    <mc:Choice Requires="p14">
-      <p:transition spd="med" p14:dur="700" advTm="3000">
+  <mc:AlternateContent xmlns:mc="http://schemas.openxmlformats.org/markup-compatibility/2006">
+    <mc:Choice xmlns:p14="http://schemas.microsoft.com/office/powerpoint/2010/main" Requires="p14">
+      <p:transition spd="med" p14:dur="700">
         <p:fade/>
       </p:transition>
     </mc:Choice>
-    <mc:Fallback xmlns="">
-      <p:transition spd="med" advTm="3000">
+    <mc:Fallback>
+      <p:transition spd="med">
         <p:fade/>
       </p:transition>
     </mc:Fallback>
@@ -12616,8 +13209,8 @@
           </a:prstGeom>
         </p:spPr>
       </p:pic>
-      <mc:AlternateContent xmlns:mc="http://schemas.openxmlformats.org/markup-compatibility/2006">
-        <mc:Choice xmlns:a14="http://schemas.microsoft.com/office/drawing/2010/main" Requires="a14">
+      <mc:AlternateContent xmlns:mc="http://schemas.openxmlformats.org/markup-compatibility/2006" xmlns:a14="http://schemas.microsoft.com/office/drawing/2010/main">
+        <mc:Choice Requires="a14">
           <p:sp>
             <p:nvSpPr>
               <p:cNvPr id="16" name="文本框 15">
@@ -12783,7 +13376,7 @@
             </p:txBody>
           </p:sp>
         </mc:Choice>
-        <mc:Fallback>
+        <mc:Fallback xmlns="">
           <p:sp>
             <p:nvSpPr>
               <p:cNvPr id="16" name="文本框 15">
@@ -12838,14 +13431,14 @@
   <p:clrMapOvr>
     <a:masterClrMapping/>
   </p:clrMapOvr>
-  <mc:AlternateContent xmlns:mc="http://schemas.openxmlformats.org/markup-compatibility/2006" xmlns:p14="http://schemas.microsoft.com/office/powerpoint/2010/main">
-    <mc:Choice Requires="p14">
-      <p:transition spd="med" p14:dur="700" advTm="3000">
+  <mc:AlternateContent xmlns:mc="http://schemas.openxmlformats.org/markup-compatibility/2006">
+    <mc:Choice xmlns:p14="http://schemas.microsoft.com/office/powerpoint/2010/main" Requires="p14">
+      <p:transition spd="med" p14:dur="700">
         <p:fade/>
       </p:transition>
     </mc:Choice>
-    <mc:Fallback xmlns="">
-      <p:transition spd="med" advTm="3000">
+    <mc:Fallback>
+      <p:transition spd="med">
         <p:fade/>
       </p:transition>
     </mc:Fallback>
@@ -13517,7 +14110,7 @@
         </p:nvSpPr>
         <p:spPr>
           <a:xfrm>
-            <a:off x="4073639" y="3098361"/>
+            <a:off x="4028404" y="3030042"/>
             <a:ext cx="996722" cy="253916"/>
           </a:xfrm>
           <a:prstGeom prst="rect">
@@ -13552,14 +14145,14 @@
   <p:clrMapOvr>
     <a:masterClrMapping/>
   </p:clrMapOvr>
-  <mc:AlternateContent xmlns:mc="http://schemas.openxmlformats.org/markup-compatibility/2006" xmlns:p14="http://schemas.microsoft.com/office/powerpoint/2010/main">
-    <mc:Choice Requires="p14">
-      <p:transition spd="med" p14:dur="700" advTm="3000">
+  <mc:AlternateContent xmlns:mc="http://schemas.openxmlformats.org/markup-compatibility/2006">
+    <mc:Choice xmlns:p14="http://schemas.microsoft.com/office/powerpoint/2010/main" Requires="p14">
+      <p:transition spd="med" p14:dur="700">
         <p:fade/>
       </p:transition>
     </mc:Choice>
-    <mc:Fallback xmlns="">
-      <p:transition spd="med" advTm="3000">
+    <mc:Fallback>
+      <p:transition spd="med">
         <p:fade/>
       </p:transition>
     </mc:Fallback>
@@ -14159,14 +14752,14 @@
   <p:clrMapOvr>
     <a:masterClrMapping/>
   </p:clrMapOvr>
-  <mc:AlternateContent xmlns:mc="http://schemas.openxmlformats.org/markup-compatibility/2006" xmlns:p14="http://schemas.microsoft.com/office/powerpoint/2010/main">
-    <mc:Choice Requires="p14">
-      <p:transition spd="med" p14:dur="700" advTm="3000">
+  <mc:AlternateContent xmlns:mc="http://schemas.openxmlformats.org/markup-compatibility/2006">
+    <mc:Choice xmlns:p14="http://schemas.microsoft.com/office/powerpoint/2010/main" Requires="p14">
+      <p:transition spd="med" p14:dur="700">
         <p:fade/>
       </p:transition>
     </mc:Choice>
-    <mc:Fallback xmlns="">
-      <p:transition spd="med" advTm="3000">
+    <mc:Fallback>
+      <p:transition spd="med">
         <p:fade/>
       </p:transition>
     </mc:Fallback>
@@ -14829,14 +15422,14 @@
   <p:clrMapOvr>
     <a:masterClrMapping/>
   </p:clrMapOvr>
-  <mc:AlternateContent xmlns:mc="http://schemas.openxmlformats.org/markup-compatibility/2006" xmlns:p14="http://schemas.microsoft.com/office/powerpoint/2010/main">
-    <mc:Choice Requires="p14">
-      <p:transition spd="med" p14:dur="700" advTm="3000">
+  <mc:AlternateContent xmlns:mc="http://schemas.openxmlformats.org/markup-compatibility/2006">
+    <mc:Choice xmlns:p14="http://schemas.microsoft.com/office/powerpoint/2010/main" Requires="p14">
+      <p:transition spd="med" p14:dur="700">
         <p:fade/>
       </p:transition>
     </mc:Choice>
-    <mc:Fallback xmlns="">
-      <p:transition spd="med" advTm="3000">
+    <mc:Fallback>
+      <p:transition spd="med">
         <p:fade/>
       </p:transition>
     </mc:Fallback>
@@ -14848,6 +15441,24 @@
 <p:tagLst xmlns:a="http://schemas.openxmlformats.org/drawingml/2006/main" xmlns:r="http://schemas.openxmlformats.org/officeDocument/2006/relationships" xmlns:p="http://schemas.openxmlformats.org/presentationml/2006/main">
   <p:tag name="ISPRING_PRESENTATION_TITLE" val="简洁2018运营总结报告ppt模板"/>
   <p:tag name="ISPRING_FIRST_PUBLISH" val="1"/>
+</p:tagLst>
+</file>
+
+<file path=ppt/tags/tag2.xml><?xml version="1.0" encoding="utf-8"?>
+<p:tagLst xmlns:a="http://schemas.openxmlformats.org/drawingml/2006/main" xmlns:r="http://schemas.openxmlformats.org/officeDocument/2006/relationships" xmlns:p="http://schemas.openxmlformats.org/presentationml/2006/main">
+  <p:tag name="TIMING" val="|1.7"/>
+</p:tagLst>
+</file>
+
+<file path=ppt/tags/tag3.xml><?xml version="1.0" encoding="utf-8"?>
+<p:tagLst xmlns:a="http://schemas.openxmlformats.org/drawingml/2006/main" xmlns:r="http://schemas.openxmlformats.org/officeDocument/2006/relationships" xmlns:p="http://schemas.openxmlformats.org/presentationml/2006/main">
+  <p:tag name="TIMING" val="|0"/>
+</p:tagLst>
+</file>
+
+<file path=ppt/tags/tag4.xml><?xml version="1.0" encoding="utf-8"?>
+<p:tagLst xmlns:a="http://schemas.openxmlformats.org/drawingml/2006/main" xmlns:r="http://schemas.openxmlformats.org/officeDocument/2006/relationships" xmlns:p="http://schemas.openxmlformats.org/presentationml/2006/main">
+  <p:tag name="TIMING" val="|0"/>
 </p:tagLst>
 </file>
 
